--- a/PPT/DeepLearning18-Tensorboard.pptx
+++ b/PPT/DeepLearning18-Tensorboard.pptx
@@ -607,35 +607,35 @@
           <a:p>
             <a:pPr lvl="0"/>
             <a:r>
-              <a:rPr lang="fr-FR" noProof="0" smtClean="0"/>
+              <a:rPr lang="fr-FR" noProof="0"/>
               <a:t>Cliquez pour modifier les styles du texte du masque</a:t>
             </a:r>
           </a:p>
           <a:p>
             <a:pPr lvl="1"/>
             <a:r>
-              <a:rPr lang="fr-FR" noProof="0" smtClean="0"/>
+              <a:rPr lang="fr-FR" noProof="0"/>
               <a:t>Deuxième niveau</a:t>
             </a:r>
           </a:p>
           <a:p>
             <a:pPr lvl="2"/>
             <a:r>
-              <a:rPr lang="fr-FR" noProof="0" smtClean="0"/>
+              <a:rPr lang="fr-FR" noProof="0"/>
               <a:t>Troisième niveau</a:t>
             </a:r>
           </a:p>
           <a:p>
             <a:pPr lvl="3"/>
             <a:r>
-              <a:rPr lang="fr-FR" noProof="0" smtClean="0"/>
+              <a:rPr lang="fr-FR" noProof="0"/>
               <a:t>Quatrième niveau</a:t>
             </a:r>
           </a:p>
           <a:p>
             <a:pPr lvl="4"/>
             <a:r>
-              <a:rPr lang="fr-FR" noProof="0" smtClean="0"/>
+              <a:rPr lang="fr-FR" noProof="0"/>
               <a:t>Cinquième niveau</a:t>
             </a:r>
           </a:p>
@@ -923,10 +923,9 @@
           <a:lstStyle/>
           <a:p>
             <a:r>
-              <a:rPr lang="fr-FR" smtClean="0"/>
+              <a:rPr lang="fr-FR"/>
               <a:t>Cliquez pour modifier le style du titre</a:t>
             </a:r>
-            <a:endParaRPr lang="fr-FR"/>
           </a:p>
         </p:txBody>
       </p:sp>
@@ -988,10 +987,9 @@
           </a:lstStyle>
           <a:p>
             <a:r>
-              <a:rPr lang="fr-FR" smtClean="0"/>
+              <a:rPr lang="fr-FR"/>
               <a:t>Cliquez pour modifier le style des sous-titres du masque</a:t>
             </a:r>
-            <a:endParaRPr lang="fr-FR"/>
           </a:p>
         </p:txBody>
       </p:sp>
@@ -1046,10 +1044,9 @@
           <a:lstStyle/>
           <a:p>
             <a:r>
-              <a:rPr lang="fr-FR" smtClean="0"/>
+              <a:rPr lang="fr-FR"/>
               <a:t>Cliquez pour modifier le style du titre</a:t>
             </a:r>
-            <a:endParaRPr lang="fr-FR"/>
           </a:p>
         </p:txBody>
       </p:sp>
@@ -1075,38 +1072,37 @@
           <a:p>
             <a:pPr lvl="0"/>
             <a:r>
-              <a:rPr lang="fr-FR" smtClean="0"/>
+              <a:rPr lang="fr-FR"/>
               <a:t>Cliquez pour modifier les styles du texte du masque</a:t>
             </a:r>
           </a:p>
           <a:p>
             <a:pPr lvl="1"/>
             <a:r>
-              <a:rPr lang="fr-FR" smtClean="0"/>
+              <a:rPr lang="fr-FR"/>
               <a:t>Deuxième niveau</a:t>
             </a:r>
           </a:p>
           <a:p>
             <a:pPr lvl="2"/>
             <a:r>
-              <a:rPr lang="fr-FR" smtClean="0"/>
+              <a:rPr lang="fr-FR"/>
               <a:t>Troisième niveau</a:t>
             </a:r>
           </a:p>
           <a:p>
             <a:pPr lvl="3"/>
             <a:r>
-              <a:rPr lang="fr-FR" smtClean="0"/>
+              <a:rPr lang="fr-FR"/>
               <a:t>Quatrième niveau</a:t>
             </a:r>
           </a:p>
           <a:p>
             <a:pPr lvl="4"/>
             <a:r>
-              <a:rPr lang="fr-FR" smtClean="0"/>
+              <a:rPr lang="fr-FR"/>
               <a:t>Cinquième niveau</a:t>
             </a:r>
-            <a:endParaRPr lang="fr-FR"/>
           </a:p>
         </p:txBody>
       </p:sp>
@@ -1165,10 +1161,9 @@
           </a:lstStyle>
           <a:p>
             <a:r>
-              <a:rPr lang="fr-FR" dirty="0" smtClean="0"/>
+              <a:rPr lang="fr-FR" dirty="0"/>
               <a:t>Cliquez pour modifier le style du titre</a:t>
             </a:r>
-            <a:endParaRPr lang="fr-FR" dirty="0"/>
           </a:p>
         </p:txBody>
       </p:sp>
@@ -1194,38 +1189,37 @@
           <a:p>
             <a:pPr lvl="0"/>
             <a:r>
-              <a:rPr lang="fr-FR" dirty="0" smtClean="0"/>
+              <a:rPr lang="fr-FR" dirty="0"/>
               <a:t>Cliquez pour modifier les styles du texte du masque</a:t>
             </a:r>
           </a:p>
           <a:p>
             <a:pPr lvl="1"/>
             <a:r>
-              <a:rPr lang="fr-FR" dirty="0" smtClean="0"/>
+              <a:rPr lang="fr-FR" dirty="0"/>
               <a:t>Deuxième niveau</a:t>
             </a:r>
           </a:p>
           <a:p>
             <a:pPr lvl="2"/>
             <a:r>
-              <a:rPr lang="fr-FR" dirty="0" smtClean="0"/>
+              <a:rPr lang="fr-FR" dirty="0"/>
               <a:t>Troisième niveau</a:t>
             </a:r>
           </a:p>
           <a:p>
             <a:pPr lvl="3"/>
             <a:r>
-              <a:rPr lang="fr-FR" dirty="0" smtClean="0"/>
+              <a:rPr lang="fr-FR" dirty="0"/>
               <a:t>Quatrième niveau</a:t>
             </a:r>
           </a:p>
           <a:p>
             <a:pPr lvl="4"/>
             <a:r>
-              <a:rPr lang="fr-FR" dirty="0" smtClean="0"/>
+              <a:rPr lang="fr-FR" dirty="0"/>
               <a:t>Cinquième niveau</a:t>
             </a:r>
-            <a:endParaRPr lang="fr-FR" dirty="0"/>
           </a:p>
         </p:txBody>
       </p:sp>
@@ -1275,10 +1269,9 @@
           <a:lstStyle/>
           <a:p>
             <a:r>
-              <a:rPr lang="fr-FR" smtClean="0"/>
+              <a:rPr lang="fr-FR"/>
               <a:t>Cliquez pour modifier le style du titre</a:t>
             </a:r>
-            <a:endParaRPr lang="fr-FR"/>
           </a:p>
         </p:txBody>
       </p:sp>
@@ -1332,38 +1325,37 @@
           <a:p>
             <a:pPr lvl="0"/>
             <a:r>
-              <a:rPr lang="fr-FR" smtClean="0"/>
+              <a:rPr lang="fr-FR"/>
               <a:t>Cliquez pour modifier les styles du texte du masque</a:t>
             </a:r>
           </a:p>
           <a:p>
             <a:pPr lvl="1"/>
             <a:r>
-              <a:rPr lang="fr-FR" smtClean="0"/>
+              <a:rPr lang="fr-FR"/>
               <a:t>Deuxième niveau</a:t>
             </a:r>
           </a:p>
           <a:p>
             <a:pPr lvl="2"/>
             <a:r>
-              <a:rPr lang="fr-FR" smtClean="0"/>
+              <a:rPr lang="fr-FR"/>
               <a:t>Troisième niveau</a:t>
             </a:r>
           </a:p>
           <a:p>
             <a:pPr lvl="3"/>
             <a:r>
-              <a:rPr lang="fr-FR" smtClean="0"/>
+              <a:rPr lang="fr-FR"/>
               <a:t>Quatrième niveau</a:t>
             </a:r>
           </a:p>
           <a:p>
             <a:pPr lvl="4"/>
             <a:r>
-              <a:rPr lang="fr-FR" smtClean="0"/>
+              <a:rPr lang="fr-FR"/>
               <a:t>Cinquième niveau</a:t>
             </a:r>
-            <a:endParaRPr lang="fr-FR"/>
           </a:p>
         </p:txBody>
       </p:sp>
@@ -1417,38 +1409,37 @@
           <a:p>
             <a:pPr lvl="0"/>
             <a:r>
-              <a:rPr lang="fr-FR" smtClean="0"/>
+              <a:rPr lang="fr-FR"/>
               <a:t>Cliquez pour modifier les styles du texte du masque</a:t>
             </a:r>
           </a:p>
           <a:p>
             <a:pPr lvl="1"/>
             <a:r>
-              <a:rPr lang="fr-FR" smtClean="0"/>
+              <a:rPr lang="fr-FR"/>
               <a:t>Deuxième niveau</a:t>
             </a:r>
           </a:p>
           <a:p>
             <a:pPr lvl="2"/>
             <a:r>
-              <a:rPr lang="fr-FR" smtClean="0"/>
+              <a:rPr lang="fr-FR"/>
               <a:t>Troisième niveau</a:t>
             </a:r>
           </a:p>
           <a:p>
             <a:pPr lvl="3"/>
             <a:r>
-              <a:rPr lang="fr-FR" smtClean="0"/>
+              <a:rPr lang="fr-FR"/>
               <a:t>Quatrième niveau</a:t>
             </a:r>
           </a:p>
           <a:p>
             <a:pPr lvl="4"/>
             <a:r>
-              <a:rPr lang="fr-FR" smtClean="0"/>
+              <a:rPr lang="fr-FR"/>
               <a:t>Cinquième niveau</a:t>
             </a:r>
-            <a:endParaRPr lang="fr-FR"/>
           </a:p>
         </p:txBody>
       </p:sp>
@@ -1507,10 +1498,9 @@
           </a:lstStyle>
           <a:p>
             <a:r>
-              <a:rPr lang="fr-FR" smtClean="0"/>
+              <a:rPr lang="fr-FR"/>
               <a:t>Cliquez pour modifier le style du titre</a:t>
             </a:r>
-            <a:endParaRPr lang="fr-FR"/>
           </a:p>
         </p:txBody>
       </p:sp>
@@ -1573,7 +1563,7 @@
           <a:p>
             <a:pPr lvl="0"/>
             <a:r>
-              <a:rPr lang="fr-FR" smtClean="0"/>
+              <a:rPr lang="fr-FR"/>
               <a:t>Cliquez pour modifier les styles du texte du masque</a:t>
             </a:r>
           </a:p>
@@ -1629,38 +1619,37 @@
           <a:p>
             <a:pPr lvl="0"/>
             <a:r>
-              <a:rPr lang="fr-FR" smtClean="0"/>
+              <a:rPr lang="fr-FR"/>
               <a:t>Cliquez pour modifier les styles du texte du masque</a:t>
             </a:r>
           </a:p>
           <a:p>
             <a:pPr lvl="1"/>
             <a:r>
-              <a:rPr lang="fr-FR" smtClean="0"/>
+              <a:rPr lang="fr-FR"/>
               <a:t>Deuxième niveau</a:t>
             </a:r>
           </a:p>
           <a:p>
             <a:pPr lvl="2"/>
             <a:r>
-              <a:rPr lang="fr-FR" smtClean="0"/>
+              <a:rPr lang="fr-FR"/>
               <a:t>Troisième niveau</a:t>
             </a:r>
           </a:p>
           <a:p>
             <a:pPr lvl="3"/>
             <a:r>
-              <a:rPr lang="fr-FR" smtClean="0"/>
+              <a:rPr lang="fr-FR"/>
               <a:t>Quatrième niveau</a:t>
             </a:r>
           </a:p>
           <a:p>
             <a:pPr lvl="4"/>
             <a:r>
-              <a:rPr lang="fr-FR" smtClean="0"/>
+              <a:rPr lang="fr-FR"/>
               <a:t>Cinquième niveau</a:t>
             </a:r>
-            <a:endParaRPr lang="fr-FR"/>
           </a:p>
         </p:txBody>
       </p:sp>
@@ -1723,7 +1712,7 @@
           <a:p>
             <a:pPr lvl="0"/>
             <a:r>
-              <a:rPr lang="fr-FR" smtClean="0"/>
+              <a:rPr lang="fr-FR"/>
               <a:t>Cliquez pour modifier les styles du texte du masque</a:t>
             </a:r>
           </a:p>
@@ -1779,38 +1768,37 @@
           <a:p>
             <a:pPr lvl="0"/>
             <a:r>
-              <a:rPr lang="fr-FR" smtClean="0"/>
+              <a:rPr lang="fr-FR"/>
               <a:t>Cliquez pour modifier les styles du texte du masque</a:t>
             </a:r>
           </a:p>
           <a:p>
             <a:pPr lvl="1"/>
             <a:r>
-              <a:rPr lang="fr-FR" smtClean="0"/>
+              <a:rPr lang="fr-FR"/>
               <a:t>Deuxième niveau</a:t>
             </a:r>
           </a:p>
           <a:p>
             <a:pPr lvl="2"/>
             <a:r>
-              <a:rPr lang="fr-FR" smtClean="0"/>
+              <a:rPr lang="fr-FR"/>
               <a:t>Troisième niveau</a:t>
             </a:r>
           </a:p>
           <a:p>
             <a:pPr lvl="3"/>
             <a:r>
-              <a:rPr lang="fr-FR" smtClean="0"/>
+              <a:rPr lang="fr-FR"/>
               <a:t>Quatrième niveau</a:t>
             </a:r>
           </a:p>
           <a:p>
             <a:pPr lvl="4"/>
             <a:r>
-              <a:rPr lang="fr-FR" smtClean="0"/>
+              <a:rPr lang="fr-FR"/>
               <a:t>Cinquième niveau</a:t>
             </a:r>
-            <a:endParaRPr lang="fr-FR"/>
           </a:p>
         </p:txBody>
       </p:sp>
@@ -1860,10 +1848,9 @@
           <a:lstStyle/>
           <a:p>
             <a:r>
-              <a:rPr lang="fr-FR" smtClean="0"/>
+              <a:rPr lang="fr-FR"/>
               <a:t>Cliquez pour modifier le style du titre</a:t>
             </a:r>
-            <a:endParaRPr lang="fr-FR"/>
           </a:p>
         </p:txBody>
       </p:sp>
@@ -1952,10 +1939,9 @@
           </a:lstStyle>
           <a:p>
             <a:r>
-              <a:rPr lang="fr-FR" smtClean="0"/>
+              <a:rPr lang="fr-FR"/>
               <a:t>Cliquez pour modifier le style du titre</a:t>
             </a:r>
-            <a:endParaRPr lang="fr-FR"/>
           </a:p>
         </p:txBody>
       </p:sp>
@@ -2009,38 +1995,37 @@
           <a:p>
             <a:pPr lvl="0"/>
             <a:r>
-              <a:rPr lang="fr-FR" smtClean="0"/>
+              <a:rPr lang="fr-FR"/>
               <a:t>Cliquez pour modifier les styles du texte du masque</a:t>
             </a:r>
           </a:p>
           <a:p>
             <a:pPr lvl="1"/>
             <a:r>
-              <a:rPr lang="fr-FR" smtClean="0"/>
+              <a:rPr lang="fr-FR"/>
               <a:t>Deuxième niveau</a:t>
             </a:r>
           </a:p>
           <a:p>
             <a:pPr lvl="2"/>
             <a:r>
-              <a:rPr lang="fr-FR" smtClean="0"/>
+              <a:rPr lang="fr-FR"/>
               <a:t>Troisième niveau</a:t>
             </a:r>
           </a:p>
           <a:p>
             <a:pPr lvl="3"/>
             <a:r>
-              <a:rPr lang="fr-FR" smtClean="0"/>
+              <a:rPr lang="fr-FR"/>
               <a:t>Quatrième niveau</a:t>
             </a:r>
           </a:p>
           <a:p>
             <a:pPr lvl="4"/>
             <a:r>
-              <a:rPr lang="fr-FR" smtClean="0"/>
+              <a:rPr lang="fr-FR"/>
               <a:t>Cinquième niveau</a:t>
             </a:r>
-            <a:endParaRPr lang="fr-FR"/>
           </a:p>
         </p:txBody>
       </p:sp>
@@ -2103,7 +2088,7 @@
           <a:p>
             <a:pPr lvl="0"/>
             <a:r>
-              <a:rPr lang="fr-FR" smtClean="0"/>
+              <a:rPr lang="fr-FR"/>
               <a:t>Cliquez pour modifier les styles du texte du masque</a:t>
             </a:r>
           </a:p>
@@ -2164,10 +2149,9 @@
           </a:lstStyle>
           <a:p>
             <a:r>
-              <a:rPr lang="fr-FR" smtClean="0"/>
+              <a:rPr lang="fr-FR"/>
               <a:t>Cliquez pour modifier le style du titre</a:t>
             </a:r>
-            <a:endParaRPr lang="fr-FR"/>
           </a:p>
         </p:txBody>
       </p:sp>
@@ -2229,7 +2213,7 @@
           </a:lstStyle>
           <a:p>
             <a:pPr lvl="0"/>
-            <a:endParaRPr lang="fr-FR" noProof="0" smtClean="0"/>
+            <a:endParaRPr lang="fr-FR" noProof="0"/>
           </a:p>
         </p:txBody>
       </p:sp>
@@ -2292,7 +2276,7 @@
           <a:p>
             <a:pPr lvl="0"/>
             <a:r>
-              <a:rPr lang="fr-FR" smtClean="0"/>
+              <a:rPr lang="fr-FR"/>
               <a:t>Cliquez pour modifier les styles du texte du masque</a:t>
             </a:r>
           </a:p>
@@ -2344,10 +2328,9 @@
           <a:lstStyle/>
           <a:p>
             <a:r>
-              <a:rPr lang="fr-FR" smtClean="0"/>
+              <a:rPr lang="fr-FR"/>
               <a:t>Cliquez pour modifier le style du titre</a:t>
             </a:r>
-            <a:endParaRPr lang="fr-FR"/>
           </a:p>
         </p:txBody>
       </p:sp>
@@ -2368,38 +2351,37 @@
           <a:p>
             <a:pPr lvl="0"/>
             <a:r>
-              <a:rPr lang="fr-FR" smtClean="0"/>
+              <a:rPr lang="fr-FR"/>
               <a:t>Cliquez pour modifier les styles du texte du masque</a:t>
             </a:r>
           </a:p>
           <a:p>
             <a:pPr lvl="1"/>
             <a:r>
-              <a:rPr lang="fr-FR" smtClean="0"/>
+              <a:rPr lang="fr-FR"/>
               <a:t>Deuxième niveau</a:t>
             </a:r>
           </a:p>
           <a:p>
             <a:pPr lvl="2"/>
             <a:r>
-              <a:rPr lang="fr-FR" smtClean="0"/>
+              <a:rPr lang="fr-FR"/>
               <a:t>Troisième niveau</a:t>
             </a:r>
           </a:p>
           <a:p>
             <a:pPr lvl="3"/>
             <a:r>
-              <a:rPr lang="fr-FR" smtClean="0"/>
+              <a:rPr lang="fr-FR"/>
               <a:t>Quatrième niveau</a:t>
             </a:r>
           </a:p>
           <a:p>
             <a:pPr lvl="4"/>
             <a:r>
-              <a:rPr lang="fr-FR" smtClean="0"/>
+              <a:rPr lang="fr-FR"/>
               <a:t>Cinquième niveau</a:t>
             </a:r>
-            <a:endParaRPr lang="fr-FR"/>
           </a:p>
         </p:txBody>
       </p:sp>
@@ -2580,7 +2562,7 @@
             <a:pPr eaLnBrk="1" hangingPunct="1">
               <a:defRPr/>
             </a:pPr>
-            <a:endParaRPr lang="fr-FR" altLang="fr-FR" smtClean="0"/>
+            <a:endParaRPr lang="fr-FR" altLang="fr-FR"/>
           </a:p>
         </p:txBody>
       </p:sp>
@@ -2734,7 +2716,7 @@
               <a:defRPr/>
             </a:pPr>
             <a:r>
-              <a:rPr lang="fr-FR" sz="1200" dirty="0" smtClean="0"/>
+              <a:rPr lang="fr-FR" sz="1200" dirty="0"/>
               <a:t>Page </a:t>
             </a:r>
             <a:fld id="{E218E9B1-FD08-4C80-902E-210BA2967D0D}" type="slidenum">
@@ -2747,7 +2729,7 @@
               </a:pPr>
               <a:t>‹N°›</a:t>
             </a:fld>
-            <a:endParaRPr lang="fr-FR" dirty="0" smtClean="0">
+            <a:endParaRPr lang="fr-FR" dirty="0">
               <a:latin typeface="Times New Roman" pitchFamily="18" charset="0"/>
             </a:endParaRPr>
           </a:p>
@@ -2903,10 +2885,10 @@
               <a:defRPr/>
             </a:pPr>
             <a:r>
-              <a:rPr lang="fr-FR" sz="1600" dirty="0" smtClean="0"/>
+              <a:rPr lang="fr-FR" sz="1600" dirty="0"/>
               <a:t>Python</a:t>
             </a:r>
-            <a:endParaRPr lang="fr-FR" dirty="0" smtClean="0">
+            <a:endParaRPr lang="fr-FR" dirty="0">
               <a:latin typeface="Times New Roman" pitchFamily="18" charset="0"/>
             </a:endParaRPr>
           </a:p>
@@ -2964,7 +2946,7 @@
           <a:p>
             <a:pPr lvl="0"/>
             <a:r>
-              <a:rPr lang="fr-FR" altLang="fr-FR" smtClean="0"/>
+              <a:rPr lang="fr-FR" altLang="fr-FR"/>
               <a:t>Cliquez pour modifier le style du titre du masque</a:t>
             </a:r>
           </a:p>
@@ -3022,35 +3004,35 @@
           <a:p>
             <a:pPr lvl="0"/>
             <a:r>
-              <a:rPr lang="fr-FR" altLang="fr-FR" smtClean="0"/>
+              <a:rPr lang="fr-FR" altLang="fr-FR"/>
               <a:t>Cliquez pour modifier les styles du texte du masque</a:t>
             </a:r>
           </a:p>
           <a:p>
             <a:pPr lvl="1"/>
             <a:r>
-              <a:rPr lang="fr-FR" altLang="fr-FR" smtClean="0"/>
+              <a:rPr lang="fr-FR" altLang="fr-FR"/>
               <a:t>Deuxième niveau</a:t>
             </a:r>
           </a:p>
           <a:p>
             <a:pPr lvl="2"/>
             <a:r>
-              <a:rPr lang="fr-FR" altLang="fr-FR" smtClean="0"/>
+              <a:rPr lang="fr-FR" altLang="fr-FR"/>
               <a:t>Troisième niveau</a:t>
             </a:r>
           </a:p>
           <a:p>
             <a:pPr lvl="3"/>
             <a:r>
-              <a:rPr lang="fr-FR" altLang="fr-FR" smtClean="0"/>
+              <a:rPr lang="fr-FR" altLang="fr-FR"/>
               <a:t>Quatrième niveau</a:t>
             </a:r>
           </a:p>
           <a:p>
             <a:pPr lvl="4"/>
             <a:r>
-              <a:rPr lang="fr-FR" altLang="fr-FR" smtClean="0"/>
+              <a:rPr lang="fr-FR" altLang="fr-FR"/>
               <a:t>Cinquième niveau</a:t>
             </a:r>
           </a:p>
@@ -3206,10 +3188,10 @@
               <a:defRPr/>
             </a:pPr>
             <a:r>
-              <a:rPr lang="fr-FR" sz="1200" smtClean="0"/>
+              <a:rPr lang="fr-FR" sz="1200"/>
               <a:t>© Cyril Vincent Conseil</a:t>
             </a:r>
-            <a:endParaRPr lang="fr-FR" smtClean="0">
+            <a:endParaRPr lang="fr-FR">
               <a:latin typeface="Times New Roman" pitchFamily="18" charset="0"/>
             </a:endParaRPr>
           </a:p>
@@ -3691,22 +3673,17 @@
           <a:p>
             <a:pPr eaLnBrk="1" hangingPunct="1"/>
             <a:r>
-              <a:rPr lang="fr-FR" altLang="fr-FR" dirty="0" smtClean="0"/>
-              <a:t>Chapitre </a:t>
-            </a:r>
-            <a:r>
-              <a:rPr lang="fr-FR" altLang="fr-FR" dirty="0" smtClean="0"/>
-              <a:t>18</a:t>
-            </a:r>
-            <a:endParaRPr lang="fr-FR" altLang="fr-FR" dirty="0" smtClean="0"/>
+              <a:rPr lang="fr-FR" altLang="fr-FR" dirty="0"/>
+              <a:t>Chapitre 18</a:t>
+            </a:r>
           </a:p>
           <a:p>
             <a:pPr eaLnBrk="1" hangingPunct="1"/>
             <a:r>
-              <a:rPr lang="fr-FR" altLang="fr-FR" dirty="0" err="1" smtClean="0"/>
+              <a:rPr lang="fr-FR" altLang="fr-FR" dirty="0" err="1"/>
               <a:t>Tensorboard</a:t>
             </a:r>
-            <a:endParaRPr lang="fr-FR" altLang="fr-FR" dirty="0" smtClean="0"/>
+            <a:endParaRPr lang="fr-FR" altLang="fr-FR" dirty="0"/>
           </a:p>
         </p:txBody>
       </p:sp>
@@ -3757,14 +3734,13 @@
           <a:lstStyle/>
           <a:p>
             <a:r>
-              <a:rPr lang="fr-FR" sz="3600" dirty="0" err="1" smtClean="0"/>
+              <a:rPr lang="fr-FR" sz="3600" dirty="0" err="1"/>
               <a:t>Deep</a:t>
             </a:r>
             <a:r>
-              <a:rPr lang="fr-FR" sz="3600" dirty="0" smtClean="0"/>
+              <a:rPr lang="fr-FR" sz="3600" dirty="0"/>
               <a:t> Learning</a:t>
             </a:r>
-            <a:endParaRPr lang="fr-FR" sz="3600" dirty="0"/>
           </a:p>
         </p:txBody>
       </p:sp>
@@ -3814,13 +3790,6 @@
   <p:clrMapOvr>
     <a:masterClrMapping/>
   </p:clrMapOvr>
-  <p:timing>
-    <p:tnLst>
-      <p:par>
-        <p:cTn id="1" dur="indefinite" restart="never" nodeType="tmRoot"/>
-      </p:par>
-    </p:tnLst>
-  </p:timing>
 </p:sld>
 </file>
 
@@ -3857,7 +3826,7 @@
           <a:lstStyle/>
           <a:p>
             <a:r>
-              <a:rPr lang="fr-FR" dirty="0" err="1" smtClean="0"/>
+              <a:rPr lang="fr-FR" dirty="0" err="1"/>
               <a:t>Tensorboard</a:t>
             </a:r>
             <a:endParaRPr lang="fr-FR" dirty="0"/>
@@ -3880,33 +3849,38 @@
           <a:lstStyle/>
           <a:p>
             <a:r>
-              <a:rPr lang="fr-FR" dirty="0" smtClean="0"/>
+              <a:rPr lang="fr-FR" dirty="0"/>
               <a:t>Permet d'avoir un monitoring des apprentissages</a:t>
             </a:r>
           </a:p>
           <a:p>
             <a:pPr lvl="1"/>
             <a:r>
-              <a:rPr lang="fr-FR" dirty="0" err="1" smtClean="0"/>
+              <a:rPr lang="fr-FR" dirty="0" err="1"/>
               <a:t>tensorboard</a:t>
             </a:r>
             <a:r>
-              <a:rPr lang="fr-FR" dirty="0" smtClean="0"/>
+              <a:rPr lang="fr-FR" dirty="0"/>
               <a:t> –</a:t>
             </a:r>
             <a:r>
-              <a:rPr lang="fr-FR" dirty="0" err="1" smtClean="0"/>
+              <a:rPr lang="fr-FR" dirty="0" err="1"/>
               <a:t>logdir</a:t>
             </a:r>
             <a:r>
-              <a:rPr lang="fr-FR" dirty="0" smtClean="0"/>
-              <a:t> logs</a:t>
-            </a:r>
+              <a:rPr lang="fr-FR" dirty="0"/>
+              <a:t> logs </a:t>
+            </a:r>
+            <a:r>
+              <a:rPr lang="fr-FR"/>
+              <a:t>(compatible %)</a:t>
+            </a:r>
+            <a:endParaRPr lang="fr-FR" dirty="0"/>
           </a:p>
           <a:p>
             <a:pPr lvl="1"/>
             <a:r>
-              <a:rPr lang="fr-FR" dirty="0" smtClean="0"/>
+              <a:rPr lang="fr-FR" dirty="0"/>
               <a:t>localhost:6006</a:t>
             </a:r>
           </a:p>
@@ -3986,7 +3960,7 @@
           <a:lstStyle/>
           <a:p>
             <a:r>
-              <a:rPr lang="fr-FR" dirty="0" err="1" smtClean="0"/>
+              <a:rPr lang="fr-FR" dirty="0" err="1"/>
               <a:t>Tensorboard</a:t>
             </a:r>
             <a:endParaRPr lang="fr-FR" dirty="0"/>
@@ -4009,7 +3983,7 @@
           <a:lstStyle/>
           <a:p>
             <a:r>
-              <a:rPr lang="fr-FR" dirty="0" smtClean="0"/>
+              <a:rPr lang="fr-FR" dirty="0"/>
               <a:t>Nécessite un callback</a:t>
             </a:r>
           </a:p>
@@ -4089,7 +4063,7 @@
           <a:lstStyle/>
           <a:p>
             <a:r>
-              <a:rPr lang="fr-FR" dirty="0" err="1" smtClean="0"/>
+              <a:rPr lang="fr-FR" dirty="0" err="1"/>
               <a:t>Tensorboard</a:t>
             </a:r>
             <a:endParaRPr lang="fr-FR" dirty="0"/>

--- a/PPT/DeepLearning18-Tensorboard.pptx
+++ b/PPT/DeepLearning18-Tensorboard.pptx
@@ -3861,7 +3861,7 @@
             </a:r>
             <a:r>
               <a:rPr lang="fr-FR" dirty="0"/>
-              <a:t> –</a:t>
+              <a:t> --</a:t>
             </a:r>
             <a:r>
               <a:rPr lang="fr-FR" dirty="0" err="1"/>
@@ -3869,13 +3869,8 @@
             </a:r>
             <a:r>
               <a:rPr lang="fr-FR" dirty="0"/>
-              <a:t> logs </a:t>
-            </a:r>
-            <a:r>
-              <a:rPr lang="fr-FR"/>
-              <a:t>(compatible %)</a:t>
-            </a:r>
-            <a:endParaRPr lang="fr-FR" dirty="0"/>
+              <a:t> logs (compatible %)</a:t>
+            </a:r>
           </a:p>
           <a:p>
             <a:pPr lvl="1"/>
@@ -3883,6 +3878,61 @@
               <a:rPr lang="fr-FR" dirty="0"/>
               <a:t>localhost:6006</a:t>
             </a:r>
+          </a:p>
+          <a:p>
+            <a:pPr lvl="1"/>
+            <a:endParaRPr lang="fr-FR" dirty="0"/>
+          </a:p>
+          <a:p>
+            <a:r>
+              <a:rPr lang="fr-FR" dirty="0" err="1"/>
+              <a:t>Jupyter</a:t>
+            </a:r>
+            <a:endParaRPr lang="fr-FR" dirty="0"/>
+          </a:p>
+          <a:p>
+            <a:pPr lvl="1"/>
+            <a:r>
+              <a:rPr lang="en-US" dirty="0"/>
+              <a:t>%</a:t>
+            </a:r>
+            <a:r>
+              <a:rPr lang="en-US" dirty="0" err="1"/>
+              <a:t>load_ext</a:t>
+            </a:r>
+            <a:r>
+              <a:rPr lang="en-US" dirty="0"/>
+              <a:t> </a:t>
+            </a:r>
+            <a:r>
+              <a:rPr lang="en-US" dirty="0" err="1"/>
+              <a:t>tensorboard</a:t>
+            </a:r>
+            <a:endParaRPr lang="en-US" dirty="0"/>
+          </a:p>
+          <a:p>
+            <a:pPr lvl="1"/>
+            <a:r>
+              <a:rPr lang="en-US" dirty="0"/>
+              <a:t>%</a:t>
+            </a:r>
+            <a:r>
+              <a:rPr lang="en-US" dirty="0" err="1"/>
+              <a:t>tensorboard</a:t>
+            </a:r>
+            <a:r>
+              <a:rPr lang="en-US" dirty="0"/>
+              <a:t> --</a:t>
+            </a:r>
+            <a:r>
+              <a:rPr lang="en-US" dirty="0" err="1"/>
+              <a:t>logdir</a:t>
+            </a:r>
+            <a:r>
+              <a:rPr lang="en-US" dirty="0"/>
+              <a:t> logs</a:t>
+            </a:r>
+            <a:endParaRPr lang="fr-FR" dirty="0"/>
           </a:p>
           <a:p>
             <a:pPr lvl="1"/>
@@ -3906,7 +3956,7 @@
         </p:blipFill>
         <p:spPr>
           <a:xfrm>
-            <a:off x="3563888" y="2348880"/>
+            <a:off x="4788024" y="2348880"/>
             <a:ext cx="3960440" cy="3888967"/>
           </a:xfrm>
           <a:prstGeom prst="rect">
